--- a/Flow_Chart_Slide.pptx
+++ b/Flow_Chart_Slide.pptx
@@ -7643,7 +7643,7 @@
         <p:spPr>
           <a:xfrm>
             <a:off x="506027" y="857928"/>
-            <a:ext cx="8043169" cy="2677656"/>
+            <a:ext cx="8043169" cy="523220"/>
           </a:xfrm>
           <a:prstGeom prst="rect">
             <a:avLst/>
@@ -7665,71 +7665,68 @@
               <a:t>Results and Discussions</a:t>
             </a:r>
           </a:p>
-          <a:p>
-            <a:pPr algn="ctr"/>
-            <a:endParaRPr lang="en-US" sz="2000" b="1" dirty="0">
-              <a:latin typeface="+mn-lt"/>
-              <a:cs typeface="Arial" panose="020B0604020202020204" pitchFamily="34" charset="0"/>
-            </a:endParaRPr>
-          </a:p>
-          <a:p>
-            <a:pPr algn="ctr"/>
-            <a:endParaRPr lang="en-US" sz="2000" b="1" dirty="0">
-              <a:latin typeface="+mn-lt"/>
-              <a:cs typeface="Arial" panose="020B0604020202020204" pitchFamily="34" charset="0"/>
-            </a:endParaRPr>
-          </a:p>
-          <a:p>
-            <a:pPr algn="ctr"/>
-            <a:r>
-              <a:rPr lang="en-US" sz="2000" b="1" dirty="0">
-                <a:latin typeface="+mn-lt"/>
-                <a:cs typeface="Arial" panose="020B0604020202020204" pitchFamily="34" charset="0"/>
-              </a:rPr>
-              <a:t>Present </a:t>
-            </a:r>
-            <a:r>
-              <a:rPr lang="en-US" sz="2000" b="1">
-                <a:latin typeface="+mn-lt"/>
-                <a:cs typeface="Arial" panose="020B0604020202020204" pitchFamily="34" charset="0"/>
-              </a:rPr>
-              <a:t>your 3 infill well locations (location map) and predicted 2 year production for your wells. </a:t>
-            </a:r>
-            <a:endParaRPr lang="en-US" sz="2000" b="1" dirty="0">
-              <a:latin typeface="+mn-lt"/>
-              <a:cs typeface="Arial" panose="020B0604020202020204" pitchFamily="34" charset="0"/>
-            </a:endParaRPr>
-          </a:p>
-          <a:p>
-            <a:pPr algn="ctr"/>
-            <a:endParaRPr lang="en-US" sz="2000" b="1" dirty="0">
-              <a:latin typeface="+mn-lt"/>
-              <a:cs typeface="Arial" panose="020B0604020202020204" pitchFamily="34" charset="0"/>
-            </a:endParaRPr>
-          </a:p>
-          <a:p>
-            <a:pPr algn="ctr"/>
-            <a:r>
-              <a:rPr lang="en-US" sz="2000" b="1" dirty="0">
-                <a:latin typeface="+mn-lt"/>
-                <a:cs typeface="Arial" panose="020B0604020202020204" pitchFamily="34" charset="0"/>
-              </a:rPr>
-              <a:t>Use table / map / distributions to communicate the </a:t>
-            </a:r>
-            <a:r>
-              <a:rPr lang="en-US" sz="2000" b="1">
-                <a:latin typeface="+mn-lt"/>
-                <a:cs typeface="Arial" panose="020B0604020202020204" pitchFamily="34" charset="0"/>
-              </a:rPr>
-              <a:t>model predictions, modeling tuning etc.</a:t>
-            </a:r>
-            <a:endParaRPr lang="en-US" sz="1800" b="1" dirty="0">
-              <a:latin typeface="+mn-lt"/>
-              <a:cs typeface="Arial" panose="020B0604020202020204" pitchFamily="34" charset="0"/>
-            </a:endParaRPr>
-          </a:p>
         </p:txBody>
       </p:sp>
+      <p:pic>
+        <p:nvPicPr>
+          <p:cNvPr id="3" name="Picture 2" descr="Icon&#10;&#10;Description automatically generated">
+            <a:extLst>
+              <a:ext uri="{FF2B5EF4-FFF2-40B4-BE49-F238E27FC236}">
+                <a16:creationId xmlns:a16="http://schemas.microsoft.com/office/drawing/2014/main" id="{6F96438F-51AA-44D4-A407-7B9B958069F4}"/>
+              </a:ext>
+            </a:extLst>
+          </p:cNvPr>
+          <p:cNvPicPr>
+            <a:picLocks noChangeAspect="1"/>
+          </p:cNvPicPr>
+          <p:nvPr/>
+        </p:nvPicPr>
+        <p:blipFill>
+          <a:blip r:embed="rId2"/>
+          <a:stretch>
+            <a:fillRect/>
+          </a:stretch>
+        </p:blipFill>
+        <p:spPr>
+          <a:xfrm>
+            <a:off x="2102938" y="3429000"/>
+            <a:ext cx="4849345" cy="3114040"/>
+          </a:xfrm>
+          <a:prstGeom prst="rect">
+            <a:avLst/>
+          </a:prstGeom>
+        </p:spPr>
+      </p:pic>
+      <p:pic>
+        <p:nvPicPr>
+          <p:cNvPr id="5" name="Picture 4">
+            <a:extLst>
+              <a:ext uri="{FF2B5EF4-FFF2-40B4-BE49-F238E27FC236}">
+                <a16:creationId xmlns:a16="http://schemas.microsoft.com/office/drawing/2014/main" id="{ADED440A-BE48-480F-9818-D0437F9DBE4A}"/>
+              </a:ext>
+            </a:extLst>
+          </p:cNvPr>
+          <p:cNvPicPr>
+            <a:picLocks noChangeAspect="1"/>
+          </p:cNvPicPr>
+          <p:nvPr/>
+        </p:nvPicPr>
+        <p:blipFill>
+          <a:blip r:embed="rId3"/>
+          <a:stretch>
+            <a:fillRect/>
+          </a:stretch>
+        </p:blipFill>
+        <p:spPr>
+          <a:xfrm>
+            <a:off x="347088" y="1549400"/>
+            <a:ext cx="8436071" cy="1623201"/>
+          </a:xfrm>
+          <a:prstGeom prst="rect">
+            <a:avLst/>
+          </a:prstGeom>
+        </p:spPr>
+      </p:pic>
     </p:spTree>
     <p:extLst>
       <p:ext uri="{BB962C8B-B14F-4D97-AF65-F5344CB8AC3E}">
@@ -9006,6 +9003,105 @@
           </a:p>
         </p:txBody>
       </p:sp>
+      <p:sp>
+        <p:nvSpPr>
+          <p:cNvPr id="6" name="TextBox 5">
+            <a:extLst>
+              <a:ext uri="{FF2B5EF4-FFF2-40B4-BE49-F238E27FC236}">
+                <a16:creationId xmlns:a16="http://schemas.microsoft.com/office/drawing/2014/main" id="{59A7089B-ACF5-4BEF-AC29-4972BF5F6CF1}"/>
+              </a:ext>
+            </a:extLst>
+          </p:cNvPr>
+          <p:cNvSpPr txBox="1"/>
+          <p:nvPr/>
+        </p:nvSpPr>
+        <p:spPr>
+          <a:xfrm>
+            <a:off x="5565059" y="1504556"/>
+            <a:ext cx="2984137" cy="4893647"/>
+          </a:xfrm>
+          <a:prstGeom prst="rect">
+            <a:avLst/>
+          </a:prstGeom>
+          <a:noFill/>
+        </p:spPr>
+        <p:txBody>
+          <a:bodyPr wrap="square" rtlCol="0">
+            <a:spAutoFit/>
+          </a:bodyPr>
+          <a:lstStyle/>
+          <a:p>
+            <a:pPr marL="342900" indent="-342900">
+              <a:buFont typeface="Arial" panose="020B0604020202020204" pitchFamily="34" charset="0"/>
+              <a:buChar char="•"/>
+            </a:pPr>
+            <a:r>
+              <a:rPr lang="en-US" dirty="0"/>
+              <a:t>Performed linear regression to find regression coef.</a:t>
+            </a:r>
+          </a:p>
+          <a:p>
+            <a:pPr marL="342900" indent="-342900">
+              <a:buFont typeface="Arial" panose="020B0604020202020204" pitchFamily="34" charset="0"/>
+              <a:buChar char="•"/>
+            </a:pPr>
+            <a:r>
+              <a:rPr lang="en-US" dirty="0"/>
+              <a:t>2D interpolation</a:t>
+            </a:r>
+          </a:p>
+          <a:p>
+            <a:pPr marL="342900" indent="-342900">
+              <a:buFont typeface="Arial" panose="020B0604020202020204" pitchFamily="34" charset="0"/>
+              <a:buChar char="•"/>
+            </a:pPr>
+            <a:r>
+              <a:rPr lang="en-US" dirty="0"/>
+              <a:t>Divide AI map into upper and lower zones based on threshold values</a:t>
+            </a:r>
+          </a:p>
+          <a:p>
+            <a:pPr marL="342900" indent="-342900">
+              <a:buFont typeface="Arial" panose="020B0604020202020204" pitchFamily="34" charset="0"/>
+              <a:buChar char="•"/>
+            </a:pPr>
+            <a:r>
+              <a:rPr lang="en-US" dirty="0"/>
+              <a:t>Used maps to find potential well locations based on lower and upper intervals</a:t>
+            </a:r>
+          </a:p>
+        </p:txBody>
+      </p:sp>
+      <p:pic>
+        <p:nvPicPr>
+          <p:cNvPr id="10" name="Picture 9" descr="Icon&#10;&#10;Description automatically generated">
+            <a:extLst>
+              <a:ext uri="{FF2B5EF4-FFF2-40B4-BE49-F238E27FC236}">
+                <a16:creationId xmlns:a16="http://schemas.microsoft.com/office/drawing/2014/main" id="{4929A7DC-FE8C-41F7-A4F6-92FCAE60F564}"/>
+              </a:ext>
+            </a:extLst>
+          </p:cNvPr>
+          <p:cNvPicPr>
+            <a:picLocks noChangeAspect="1"/>
+          </p:cNvPicPr>
+          <p:nvPr/>
+        </p:nvPicPr>
+        <p:blipFill>
+          <a:blip r:embed="rId3"/>
+          <a:stretch>
+            <a:fillRect/>
+          </a:stretch>
+        </p:blipFill>
+        <p:spPr>
+          <a:xfrm>
+            <a:off x="384107" y="2181664"/>
+            <a:ext cx="5180952" cy="3326984"/>
+          </a:xfrm>
+          <a:prstGeom prst="rect">
+            <a:avLst/>
+          </a:prstGeom>
+        </p:spPr>
+      </p:pic>
     </p:spTree>
     <p:extLst>
       <p:ext uri="{BB962C8B-B14F-4D97-AF65-F5344CB8AC3E}">
